--- a/13-jQuery/13-jQuery.pptx
+++ b/13-jQuery/13-jQuery.pptx
@@ -248,7 +248,7 @@
           <a:p>
             <a:fld id="{2E054F57-E93D-4CC3-8A27-2F256E70BB98}" type="datetimeFigureOut">
               <a:rPr lang="en-US" smtClean="0"/>
-              <a:t>5/24/2016</a:t>
+              <a:t>7/12/2016</a:t>
             </a:fld>
             <a:endParaRPr lang="en-US"/>
           </a:p>
@@ -697,7 +697,7 @@
           <a:p>
             <a:fld id="{3EA744D9-3FBE-48D8-BF2A-85DF203E4D20}" type="datetimeFigureOut">
               <a:rPr lang="bg-BG" smtClean="0"/>
-              <a:t>24.5.2016 г.</a:t>
+              <a:t>12.7.2016 г.</a:t>
             </a:fld>
             <a:endParaRPr lang="bg-BG"/>
           </a:p>
@@ -867,7 +867,7 @@
           <a:p>
             <a:fld id="{3EA744D9-3FBE-48D8-BF2A-85DF203E4D20}" type="datetimeFigureOut">
               <a:rPr lang="bg-BG" smtClean="0"/>
-              <a:t>24.5.2016 г.</a:t>
+              <a:t>12.7.2016 г.</a:t>
             </a:fld>
             <a:endParaRPr lang="bg-BG"/>
           </a:p>
@@ -1047,7 +1047,7 @@
           <a:p>
             <a:fld id="{3EA744D9-3FBE-48D8-BF2A-85DF203E4D20}" type="datetimeFigureOut">
               <a:rPr lang="bg-BG" smtClean="0"/>
-              <a:t>24.5.2016 г.</a:t>
+              <a:t>12.7.2016 г.</a:t>
             </a:fld>
             <a:endParaRPr lang="bg-BG"/>
           </a:p>
@@ -1217,7 +1217,7 @@
           <a:p>
             <a:fld id="{3EA744D9-3FBE-48D8-BF2A-85DF203E4D20}" type="datetimeFigureOut">
               <a:rPr lang="bg-BG" smtClean="0"/>
-              <a:t>24.5.2016 г.</a:t>
+              <a:t>12.7.2016 г.</a:t>
             </a:fld>
             <a:endParaRPr lang="bg-BG"/>
           </a:p>
@@ -1463,7 +1463,7 @@
           <a:p>
             <a:fld id="{3EA744D9-3FBE-48D8-BF2A-85DF203E4D20}" type="datetimeFigureOut">
               <a:rPr lang="bg-BG" smtClean="0"/>
-              <a:t>24.5.2016 г.</a:t>
+              <a:t>12.7.2016 г.</a:t>
             </a:fld>
             <a:endParaRPr lang="bg-BG"/>
           </a:p>
@@ -1751,7 +1751,7 @@
           <a:p>
             <a:fld id="{3EA744D9-3FBE-48D8-BF2A-85DF203E4D20}" type="datetimeFigureOut">
               <a:rPr lang="bg-BG" smtClean="0"/>
-              <a:t>24.5.2016 г.</a:t>
+              <a:t>12.7.2016 г.</a:t>
             </a:fld>
             <a:endParaRPr lang="bg-BG"/>
           </a:p>
@@ -2173,7 +2173,7 @@
           <a:p>
             <a:fld id="{3EA744D9-3FBE-48D8-BF2A-85DF203E4D20}" type="datetimeFigureOut">
               <a:rPr lang="bg-BG" smtClean="0"/>
-              <a:t>24.5.2016 г.</a:t>
+              <a:t>12.7.2016 г.</a:t>
             </a:fld>
             <a:endParaRPr lang="bg-BG"/>
           </a:p>
@@ -2291,7 +2291,7 @@
           <a:p>
             <a:fld id="{3EA744D9-3FBE-48D8-BF2A-85DF203E4D20}" type="datetimeFigureOut">
               <a:rPr lang="bg-BG" smtClean="0"/>
-              <a:t>24.5.2016 г.</a:t>
+              <a:t>12.7.2016 г.</a:t>
             </a:fld>
             <a:endParaRPr lang="bg-BG"/>
           </a:p>
@@ -2386,7 +2386,7 @@
           <a:p>
             <a:fld id="{3EA744D9-3FBE-48D8-BF2A-85DF203E4D20}" type="datetimeFigureOut">
               <a:rPr lang="bg-BG" smtClean="0"/>
-              <a:t>24.5.2016 г.</a:t>
+              <a:t>12.7.2016 г.</a:t>
             </a:fld>
             <a:endParaRPr lang="bg-BG"/>
           </a:p>
@@ -2663,7 +2663,7 @@
           <a:p>
             <a:fld id="{3EA744D9-3FBE-48D8-BF2A-85DF203E4D20}" type="datetimeFigureOut">
               <a:rPr lang="bg-BG" smtClean="0"/>
-              <a:t>24.5.2016 г.</a:t>
+              <a:t>12.7.2016 г.</a:t>
             </a:fld>
             <a:endParaRPr lang="bg-BG"/>
           </a:p>
@@ -2916,7 +2916,7 @@
           <a:p>
             <a:fld id="{3EA744D9-3FBE-48D8-BF2A-85DF203E4D20}" type="datetimeFigureOut">
               <a:rPr lang="bg-BG" smtClean="0"/>
-              <a:t>24.5.2016 г.</a:t>
+              <a:t>12.7.2016 г.</a:t>
             </a:fld>
             <a:endParaRPr lang="bg-BG"/>
           </a:p>
@@ -3138,7 +3138,7 @@
           <a:p>
             <a:fld id="{3EA744D9-3FBE-48D8-BF2A-85DF203E4D20}" type="datetimeFigureOut">
               <a:rPr lang="bg-BG" smtClean="0"/>
-              <a:t>24.5.2016 г.</a:t>
+              <a:t>12.7.2016 г.</a:t>
             </a:fld>
             <a:endParaRPr lang="bg-BG"/>
           </a:p>
@@ -10380,45 +10380,8 @@
                   </a:schemeClr>
                 </a:solidFill>
               </a:rPr>
-              <a:t>Напишете скрипт, който при зареждане на страницата анимира елемент по избор, като му прилага двойни на началните широчина и височина и </a:t>
-            </a:r>
-            <a:r>
-              <a:rPr lang="en-US" sz="2000" b="1" dirty="0" smtClean="0">
-                <a:solidFill>
-                  <a:schemeClr val="bg1">
-                    <a:lumMod val="95000"/>
-                  </a:schemeClr>
-                </a:solidFill>
-              </a:rPr>
-              <a:t>font-size</a:t>
-            </a:r>
-            <a:r>
-              <a:rPr lang="bg-BG" sz="2000" b="1" dirty="0" smtClean="0">
-                <a:solidFill>
-                  <a:schemeClr val="bg1">
-                    <a:lumMod val="95000"/>
-                  </a:schemeClr>
-                </a:solidFill>
-              </a:rPr>
-              <a:t> и го слайдва до дъното на страницата</a:t>
-            </a:r>
-            <a:r>
-              <a:rPr lang="en-US" sz="2000" b="1" dirty="0" smtClean="0">
-                <a:solidFill>
-                  <a:schemeClr val="bg1">
-                    <a:lumMod val="95000"/>
-                  </a:schemeClr>
-                </a:solidFill>
-              </a:rPr>
-              <a:t>.</a:t>
-            </a:r>
-            <a:endParaRPr lang="bg-BG" sz="2000" b="1" dirty="0" smtClean="0">
-              <a:solidFill>
-                <a:schemeClr val="bg1">
-                  <a:lumMod val="95000"/>
-                </a:schemeClr>
-              </a:solidFill>
-            </a:endParaRPr>
+              <a:t>Напишете скрипт, който при зареждане на страницата анимира елемент по избор, като му прилага двойни на началните широчина и височина</a:t>
+            </a:r>
           </a:p>
           <a:p>
             <a:pPr marL="457200" indent="-457200">
@@ -10749,154 +10712,109 @@
               <a:t>slideUp</a:t>
             </a:r>
             <a:r>
-              <a:rPr lang="bg-BG" sz="2000" b="1" dirty="0">
+              <a:rPr lang="bg-BG" sz="2000" b="1" dirty="0" smtClean="0">
                 <a:solidFill>
                   <a:schemeClr val="bg1">
                     <a:lumMod val="95000"/>
                   </a:schemeClr>
                 </a:solidFill>
               </a:rPr>
-              <a:t>-ва.</a:t>
-            </a:r>
-          </a:p>
-          <a:p>
-            <a:pPr marL="457200" indent="-457200">
-              <a:buAutoNum type="arabicPeriod" startAt="6"/>
-            </a:pPr>
-            <a:r>
-              <a:rPr lang="bg-BG" sz="2000" b="1" dirty="0">
+              <a:t>-ва</a:t>
+            </a:r>
+            <a:r>
+              <a:rPr lang="en-US" sz="2000" b="1" dirty="0" smtClean="0">
                 <a:solidFill>
                   <a:schemeClr val="bg1">
                     <a:lumMod val="95000"/>
                   </a:schemeClr>
                 </a:solidFill>
               </a:rPr>
-              <a:t>Напишете скрипт, който прихваща </a:t>
-            </a:r>
-            <a:r>
-              <a:rPr lang="en-US" sz="2000" b="1" dirty="0">
+              <a:t> </a:t>
+            </a:r>
+            <a:r>
+              <a:rPr lang="bg-BG" sz="2000" b="1" dirty="0" smtClean="0">
                 <a:solidFill>
                   <a:schemeClr val="bg1">
                     <a:lumMod val="95000"/>
                   </a:schemeClr>
                 </a:solidFill>
               </a:rPr>
-              <a:t>hover </a:t>
-            </a:r>
-            <a:r>
-              <a:rPr lang="bg-BG" sz="2000" b="1" dirty="0">
+              <a:t>друг елемент.</a:t>
+            </a:r>
+          </a:p>
+          <a:p>
+            <a:pPr marL="457200" indent="-457200">
+              <a:buAutoNum type="arabicPeriod" startAt="6"/>
+            </a:pPr>
+            <a:r>
+              <a:rPr lang="bg-BG" sz="2000" b="1" dirty="0" smtClean="0">
                 <a:solidFill>
                   <a:schemeClr val="bg1">
                     <a:lumMod val="95000"/>
                   </a:schemeClr>
                 </a:solidFill>
               </a:rPr>
-              <a:t>събитие на даден елемент и го </a:t>
-            </a:r>
-            <a:r>
-              <a:rPr lang="en-US" sz="2000" b="1" dirty="0" err="1">
+              <a:t>Напишете скрипт, който прихваща </a:t>
+            </a:r>
+            <a:r>
+              <a:rPr lang="en-US" sz="2000" b="1" dirty="0" smtClean="0">
                 <a:solidFill>
                   <a:schemeClr val="bg1">
                     <a:lumMod val="95000"/>
                   </a:schemeClr>
                 </a:solidFill>
               </a:rPr>
-              <a:t>slideDown</a:t>
-            </a:r>
-            <a:r>
-              <a:rPr lang="en-US" sz="2000" b="1" dirty="0">
+              <a:t>hover </a:t>
+            </a:r>
+            <a:r>
+              <a:rPr lang="bg-BG" sz="2000" b="1" dirty="0" smtClean="0">
                 <a:solidFill>
                   <a:schemeClr val="bg1">
                     <a:lumMod val="95000"/>
                   </a:schemeClr>
                 </a:solidFill>
               </a:rPr>
-              <a:t>-</a:t>
-            </a:r>
-            <a:r>
-              <a:rPr lang="bg-BG" sz="2000" b="1" dirty="0">
+              <a:t>събитие на даден елемент и го </a:t>
+            </a:r>
+            <a:r>
+              <a:rPr lang="en-US" sz="2000" b="1" dirty="0" err="1" smtClean="0">
                 <a:solidFill>
                   <a:schemeClr val="bg1">
                     <a:lumMod val="95000"/>
                   </a:schemeClr>
                 </a:solidFill>
               </a:rPr>
-              <a:t>ва.</a:t>
-            </a:r>
-          </a:p>
-          <a:p>
-            <a:pPr marL="457200" indent="-457200">
-              <a:buAutoNum type="arabicPeriod" startAt="6"/>
-            </a:pPr>
-            <a:r>
-              <a:rPr lang="bg-BG" sz="2000" b="1" dirty="0">
+              <a:t>slideDown</a:t>
+            </a:r>
+            <a:r>
+              <a:rPr lang="en-US" sz="2000" b="1" dirty="0" smtClean="0">
                 <a:solidFill>
                   <a:schemeClr val="bg1">
                     <a:lumMod val="95000"/>
                   </a:schemeClr>
                 </a:solidFill>
               </a:rPr>
-              <a:t>Напишете скрипт, който прихваща </a:t>
-            </a:r>
-            <a:r>
-              <a:rPr lang="en-US" sz="2000" b="1" dirty="0">
+              <a:t>-</a:t>
+            </a:r>
+            <a:r>
+              <a:rPr lang="bg-BG" sz="2000" b="1" dirty="0" smtClean="0">
                 <a:solidFill>
                   <a:schemeClr val="bg1">
                     <a:lumMod val="95000"/>
                   </a:schemeClr>
                 </a:solidFill>
               </a:rPr>
-              <a:t>hover </a:t>
-            </a:r>
-            <a:r>
-              <a:rPr lang="bg-BG" sz="2000" b="1" dirty="0">
+              <a:t>ва друг </a:t>
+            </a:r>
+            <a:r>
+              <a:rPr lang="bg-BG" sz="2000" b="1" smtClean="0">
                 <a:solidFill>
                   <a:schemeClr val="bg1">
                     <a:lumMod val="95000"/>
                   </a:schemeClr>
                 </a:solidFill>
               </a:rPr>
-              <a:t>събитие на даден елемент и го </a:t>
-            </a:r>
-            <a:r>
-              <a:rPr lang="en-US" sz="2000" b="1" dirty="0" err="1">
-                <a:solidFill>
-                  <a:schemeClr val="bg1">
-                    <a:lumMod val="95000"/>
-                  </a:schemeClr>
-                </a:solidFill>
-              </a:rPr>
-              <a:t>toggleSlide</a:t>
-            </a:r>
-            <a:r>
-              <a:rPr lang="en-US" sz="2000" b="1" dirty="0">
-                <a:solidFill>
-                  <a:schemeClr val="bg1">
-                    <a:lumMod val="95000"/>
-                  </a:schemeClr>
-                </a:solidFill>
-              </a:rPr>
-              <a:t>-</a:t>
-            </a:r>
-            <a:r>
-              <a:rPr lang="bg-BG" sz="2000" b="1" dirty="0">
-                <a:solidFill>
-                  <a:schemeClr val="bg1">
-                    <a:lumMod val="95000"/>
-                  </a:schemeClr>
-                </a:solidFill>
-              </a:rPr>
-              <a:t>ва</a:t>
-            </a:r>
-            <a:r>
-              <a:rPr lang="bg-BG" sz="2000" b="1" dirty="0" smtClean="0">
-                <a:solidFill>
-                  <a:schemeClr val="bg1">
-                    <a:lumMod val="95000"/>
-                  </a:schemeClr>
-                </a:solidFill>
-              </a:rPr>
-              <a:t>.</a:t>
+              <a:t>елемент.</a:t>
             </a:r>
             <a:endParaRPr lang="en-US" sz="2000" b="1" dirty="0">
               <a:solidFill>

--- a/13-jQuery/13-jQuery.pptx
+++ b/13-jQuery/13-jQuery.pptx
@@ -10702,50 +10702,45 @@
               <a:t>събитие на даден елемент и го </a:t>
             </a:r>
             <a:r>
-              <a:rPr lang="en-US" sz="2000" b="1" dirty="0" err="1">
+              <a:rPr lang="en-US" sz="2000" b="1" dirty="0" err="1" smtClean="0">
                 <a:solidFill>
                   <a:schemeClr val="bg1">
                     <a:lumMod val="95000"/>
                   </a:schemeClr>
                 </a:solidFill>
               </a:rPr>
-              <a:t>slideUp</a:t>
-            </a:r>
-            <a:r>
-              <a:rPr lang="bg-BG" sz="2000" b="1" dirty="0" smtClean="0">
+              <a:t>toggle</a:t>
+            </a:r>
+            <a:r>
+              <a:rPr lang="en-US" sz="2000" b="1" dirty="0" err="1" smtClean="0">
                 <a:solidFill>
                   <a:schemeClr val="bg1">
                     <a:lumMod val="95000"/>
                   </a:schemeClr>
                 </a:solidFill>
               </a:rPr>
-              <a:t>-ва</a:t>
-            </a:r>
-            <a:r>
-              <a:rPr lang="en-US" sz="2000" b="1" dirty="0" smtClean="0">
+              <a:t>Slide</a:t>
+            </a:r>
+            <a:r>
+              <a:rPr lang="bg-BG" sz="2000" b="1" dirty="0" smtClean="0">
                 <a:solidFill>
                   <a:schemeClr val="bg1">
                     <a:lumMod val="95000"/>
                   </a:schemeClr>
                 </a:solidFill>
               </a:rPr>
-              <a:t> </a:t>
-            </a:r>
-            <a:r>
-              <a:rPr lang="bg-BG" sz="2000" b="1" dirty="0" smtClean="0">
+              <a:t>-ва</a:t>
+            </a:r>
+            <a:r>
+              <a:rPr lang="en-US" sz="2000" b="1" dirty="0" smtClean="0">
                 <a:solidFill>
                   <a:schemeClr val="bg1">
                     <a:lumMod val="95000"/>
                   </a:schemeClr>
                 </a:solidFill>
               </a:rPr>
-              <a:t>друг елемент.</a:t>
-            </a:r>
-          </a:p>
-          <a:p>
-            <a:pPr marL="457200" indent="-457200">
-              <a:buAutoNum type="arabicPeriod" startAt="6"/>
-            </a:pPr>
+              <a:t> </a:t>
+            </a:r>
             <a:r>
               <a:rPr lang="bg-BG" sz="2000" b="1" dirty="0" smtClean="0">
                 <a:solidFill>
@@ -10754,37 +10749,43 @@
                   </a:schemeClr>
                 </a:solidFill>
               </a:rPr>
-              <a:t>Напишете скрипт, който прихваща </a:t>
-            </a:r>
-            <a:r>
-              <a:rPr lang="en-US" sz="2000" b="1" dirty="0" smtClean="0">
+              <a:t>друг елемент. </a:t>
+            </a:r>
+          </a:p>
+          <a:p>
+            <a:pPr marL="457200" indent="-457200">
+              <a:buFont typeface="+mj-lt"/>
+              <a:buAutoNum type="arabicPeriod" startAt="6"/>
+            </a:pPr>
+            <a:r>
+              <a:rPr lang="bg-BG" sz="2000" b="1" dirty="0" smtClean="0">
                 <a:solidFill>
                   <a:schemeClr val="bg1">
                     <a:lumMod val="95000"/>
                   </a:schemeClr>
                 </a:solidFill>
               </a:rPr>
-              <a:t>hover </a:t>
-            </a:r>
-            <a:r>
-              <a:rPr lang="bg-BG" sz="2000" b="1" dirty="0" smtClean="0">
+              <a:t>Сложете няколко полета за въвеждане на информация от потребителя. Добавете бутон, при натискане, на който да се</a:t>
+            </a:r>
+            <a:r>
+              <a:rPr lang="en-US" sz="2000" b="1" dirty="0" smtClean="0">
                 <a:solidFill>
                   <a:schemeClr val="bg1">
                     <a:lumMod val="95000"/>
                   </a:schemeClr>
                 </a:solidFill>
               </a:rPr>
-              <a:t>събитие на даден елемент и го </a:t>
-            </a:r>
-            <a:r>
-              <a:rPr lang="en-US" sz="2000" b="1" dirty="0" err="1" smtClean="0">
+              <a:t> </a:t>
+            </a:r>
+            <a:r>
+              <a:rPr lang="bg-BG" sz="2000" b="1" dirty="0" smtClean="0">
                 <a:solidFill>
                   <a:schemeClr val="bg1">
                     <a:lumMod val="95000"/>
                   </a:schemeClr>
                 </a:solidFill>
               </a:rPr>
-              <a:t>slideDown</a:t>
+              <a:t>взима въведената информация от полетата и да се извежда в </a:t>
             </a:r>
             <a:r>
               <a:rPr lang="en-US" sz="2000" b="1" dirty="0" smtClean="0">
@@ -10794,27 +10795,17 @@
                   </a:schemeClr>
                 </a:solidFill>
               </a:rPr>
-              <a:t>-</a:t>
-            </a:r>
-            <a:r>
-              <a:rPr lang="bg-BG" sz="2000" b="1" dirty="0" smtClean="0">
+              <a:t>html</a:t>
+            </a:r>
+            <a:r>
+              <a:rPr lang="bg-BG" sz="2000" b="1" smtClean="0">
                 <a:solidFill>
                   <a:schemeClr val="bg1">
                     <a:lumMod val="95000"/>
                   </a:schemeClr>
                 </a:solidFill>
               </a:rPr>
-              <a:t>ва друг </a:t>
-            </a:r>
-            <a:r>
-              <a:rPr lang="bg-BG" sz="2000" b="1" smtClean="0">
-                <a:solidFill>
-                  <a:schemeClr val="bg1">
-                    <a:lumMod val="95000"/>
-                  </a:schemeClr>
-                </a:solidFill>
-              </a:rPr>
-              <a:t>елемент.</a:t>
+              <a:t>-а на страницата динамично </a:t>
             </a:r>
             <a:endParaRPr lang="en-US" sz="2000" b="1" dirty="0">
               <a:solidFill>

--- a/13-jQuery/13-jQuery.pptx
+++ b/13-jQuery/13-jQuery.pptx
@@ -10798,7 +10798,7 @@
               <a:t>html</a:t>
             </a:r>
             <a:r>
-              <a:rPr lang="bg-BG" sz="2000" b="1" smtClean="0">
+              <a:rPr lang="bg-BG" sz="2000" b="1" dirty="0" smtClean="0">
                 <a:solidFill>
                   <a:schemeClr val="bg1">
                     <a:lumMod val="95000"/>
